--- a/magnolia-corner.pptx
+++ b/magnolia-corner.pptx
@@ -6,8 +6,8 @@
   </p:sldMasterIdLst>
   <p:sldIdLst>
     <p:sldId id="256" r:id="rId2"/>
-    <p:sldId id="258" r:id="rId3"/>
-    <p:sldId id="257" r:id="rId4"/>
+    <p:sldId id="257" r:id="rId3"/>
+    <p:sldId id="258" r:id="rId4"/>
     <p:sldId id="259" r:id="rId5"/>
   </p:sldIdLst>
   <p:sldSz cx="12192000" cy="6858000"/>
@@ -107,6 +107,11 @@
       </a:defRPr>
     </a:lvl9pPr>
   </p:defaultTextStyle>
+  <p:extLst>
+    <p:ext uri="{EFAFB233-063F-42B5-8137-9DF3F51BA10A}">
+      <p15:sldGuideLst xmlns:p15="http://schemas.microsoft.com/office/powerpoint/2012/main"/>
+    </p:ext>
+  </p:extLst>
 </p:presentation>
 </file>
 
@@ -3410,7 +3415,7 @@
           <p:cNvPr id="2" name="Titolo 1">
             <a:extLst>
               <a:ext uri="{FF2B5EF4-FFF2-40B4-BE49-F238E27FC236}">
-                <a16:creationId xmlns:a16="http://schemas.microsoft.com/office/drawing/2014/main" id="{2ACF9FD3-DD06-460B-B9B6-6487D4F0C901}"/>
+                <a16:creationId xmlns:a16="http://schemas.microsoft.com/office/drawing/2014/main" id="{3031D3D6-7993-44FF-94BC-7FC07C1193E5}"/>
               </a:ext>
             </a:extLst>
           </p:cNvPr>
@@ -3434,6 +3439,200 @@
               <a:rPr lang="it-IT" dirty="0" err="1"/>
               <a:t>approach</a:t>
             </a:r>
+            <a:endParaRPr lang="it-IT" dirty="0"/>
+          </a:p>
+        </p:txBody>
+      </p:sp>
+      <p:sp>
+        <p:nvSpPr>
+          <p:cNvPr id="3" name="Segnaposto contenuto 2">
+            <a:extLst>
+              <a:ext uri="{FF2B5EF4-FFF2-40B4-BE49-F238E27FC236}">
+                <a16:creationId xmlns:a16="http://schemas.microsoft.com/office/drawing/2014/main" id="{EA97457D-B1BF-4F67-B37F-76CDAB3272CC}"/>
+              </a:ext>
+            </a:extLst>
+          </p:cNvPr>
+          <p:cNvSpPr>
+            <a:spLocks noGrp="1"/>
+          </p:cNvSpPr>
+          <p:nvPr>
+            <p:ph idx="1"/>
+          </p:nvPr>
+        </p:nvSpPr>
+        <p:spPr/>
+        <p:txBody>
+          <a:bodyPr>
+            <a:normAutofit/>
+          </a:bodyPr>
+          <a:lstStyle/>
+          <a:p>
+            <a:pPr marL="0" indent="0">
+              <a:buNone/>
+            </a:pPr>
+            <a:r>
+              <a:rPr lang="it-IT" dirty="0" err="1"/>
+              <a:t>mvn</a:t>
+            </a:r>
+            <a:r>
+              <a:rPr lang="it-IT" dirty="0"/>
+              <a:t> </a:t>
+            </a:r>
+            <a:r>
+              <a:rPr lang="it-IT" dirty="0" err="1"/>
+              <a:t>archetype</a:t>
+            </a:r>
+            <a:r>
+              <a:rPr lang="it-IT" dirty="0"/>
+              <a:t>: </a:t>
+            </a:r>
+          </a:p>
+          <a:p>
+            <a:pPr marL="0" indent="0">
+              <a:buNone/>
+            </a:pPr>
+            <a:r>
+              <a:rPr lang="it-IT" sz="1600" dirty="0" err="1">
+                <a:latin typeface="Courier New" panose="02070309020205020404" pitchFamily="49" charset="0"/>
+                <a:cs typeface="Courier New" panose="02070309020205020404" pitchFamily="49" charset="0"/>
+              </a:rPr>
+              <a:t>mvn</a:t>
+            </a:r>
+            <a:r>
+              <a:rPr lang="it-IT" sz="1600" dirty="0">
+                <a:latin typeface="Courier New" panose="02070309020205020404" pitchFamily="49" charset="0"/>
+                <a:cs typeface="Courier New" panose="02070309020205020404" pitchFamily="49" charset="0"/>
+              </a:rPr>
+              <a:t> org.apache.maven.plugins:maven-archetype-plugin:2.4:generate -</a:t>
+            </a:r>
+            <a:r>
+              <a:rPr lang="it-IT" sz="1600" dirty="0" err="1">
+                <a:latin typeface="Courier New" panose="02070309020205020404" pitchFamily="49" charset="0"/>
+                <a:cs typeface="Courier New" panose="02070309020205020404" pitchFamily="49" charset="0"/>
+              </a:rPr>
+              <a:t>DarchetypeCatalog</a:t>
+            </a:r>
+            <a:r>
+              <a:rPr lang="it-IT" sz="1600" dirty="0">
+                <a:latin typeface="Courier New" panose="02070309020205020404" pitchFamily="49" charset="0"/>
+                <a:cs typeface="Courier New" panose="02070309020205020404" pitchFamily="49" charset="0"/>
+              </a:rPr>
+              <a:t>=</a:t>
+            </a:r>
+            <a:r>
+              <a:rPr lang="it-IT" sz="1600" dirty="0">
+                <a:latin typeface="Courier New" panose="02070309020205020404" pitchFamily="49" charset="0"/>
+                <a:cs typeface="Courier New" panose="02070309020205020404" pitchFamily="49" charset="0"/>
+                <a:hlinkClick r:id="rId2"/>
+              </a:rPr>
+              <a:t>https://nexus.magnolia-cms.com/content/groups/public/ </a:t>
+            </a:r>
+            <a:endParaRPr lang="it-IT" sz="1600" dirty="0">
+              <a:latin typeface="Courier New" panose="02070309020205020404" pitchFamily="49" charset="0"/>
+              <a:cs typeface="Courier New" panose="02070309020205020404" pitchFamily="49" charset="0"/>
+            </a:endParaRPr>
+          </a:p>
+          <a:p>
+            <a:pPr marL="0" indent="0">
+              <a:buNone/>
+            </a:pPr>
+            <a:endParaRPr lang="it-IT" sz="2420" dirty="0"/>
+          </a:p>
+          <a:p>
+            <a:pPr marL="0" indent="0">
+              <a:buNone/>
+            </a:pPr>
+            <a:r>
+              <a:rPr lang="it-IT" dirty="0"/>
+              <a:t>Manual </a:t>
+            </a:r>
+            <a:r>
+              <a:rPr lang="it-IT" dirty="0" err="1"/>
+              <a:t>fixes</a:t>
+            </a:r>
+            <a:r>
+              <a:rPr lang="it-IT" dirty="0"/>
+              <a:t>: </a:t>
+            </a:r>
+          </a:p>
+          <a:p>
+            <a:pPr>
+              <a:buFontTx/>
+              <a:buChar char="-"/>
+            </a:pPr>
+            <a:r>
+              <a:rPr lang="it-IT" sz="1600" dirty="0">
+                <a:latin typeface="Courier New" panose="02070309020205020404" pitchFamily="49" charset="0"/>
+                <a:cs typeface="Courier New" panose="02070309020205020404" pitchFamily="49" charset="0"/>
+              </a:rPr>
+              <a:t>Java 1.8</a:t>
+            </a:r>
+          </a:p>
+          <a:p>
+            <a:pPr>
+              <a:buFontTx/>
+              <a:buChar char="-"/>
+            </a:pPr>
+            <a:r>
+              <a:rPr lang="it-IT" sz="1600" dirty="0">
+                <a:latin typeface="Courier New" panose="02070309020205020404" pitchFamily="49" charset="0"/>
+                <a:cs typeface="Courier New" panose="02070309020205020404" pitchFamily="49" charset="0"/>
+              </a:rPr>
+              <a:t>Magnolia Community </a:t>
+            </a:r>
+            <a:r>
+              <a:rPr lang="it-IT" sz="1600" dirty="0" err="1">
+                <a:latin typeface="Courier New" panose="02070309020205020404" pitchFamily="49" charset="0"/>
+                <a:cs typeface="Courier New" panose="02070309020205020404" pitchFamily="49" charset="0"/>
+              </a:rPr>
+              <a:t>Webapp</a:t>
+            </a:r>
+            <a:r>
+              <a:rPr lang="it-IT" sz="1600" dirty="0">
+                <a:latin typeface="Courier New" panose="02070309020205020404" pitchFamily="49" charset="0"/>
+                <a:cs typeface="Courier New" panose="02070309020205020404" pitchFamily="49" charset="0"/>
+              </a:rPr>
+              <a:t> bundle</a:t>
+            </a:r>
+          </a:p>
+          <a:p>
+            <a:pPr>
+              <a:buFontTx/>
+              <a:buChar char="-"/>
+            </a:pPr>
+            <a:r>
+              <a:rPr lang="it-IT" sz="1600" dirty="0" err="1">
+                <a:latin typeface="Courier New" panose="02070309020205020404" pitchFamily="49" charset="0"/>
+                <a:cs typeface="Courier New" panose="02070309020205020404" pitchFamily="49" charset="0"/>
+              </a:rPr>
+              <a:t>FailOnMissingWebXML</a:t>
+            </a:r>
+            <a:r>
+              <a:rPr lang="it-IT" sz="1600" dirty="0">
+                <a:latin typeface="Courier New" panose="02070309020205020404" pitchFamily="49" charset="0"/>
+                <a:cs typeface="Courier New" panose="02070309020205020404" pitchFamily="49" charset="0"/>
+              </a:rPr>
+              <a:t> (Eclipse </a:t>
+            </a:r>
+            <a:r>
+              <a:rPr lang="it-IT" sz="1600" dirty="0" err="1">
+                <a:latin typeface="Courier New" panose="02070309020205020404" pitchFamily="49" charset="0"/>
+                <a:cs typeface="Courier New" panose="02070309020205020404" pitchFamily="49" charset="0"/>
+              </a:rPr>
+              <a:t>only</a:t>
+            </a:r>
+            <a:r>
+              <a:rPr lang="it-IT" sz="1600" dirty="0">
+                <a:latin typeface="Courier New" panose="02070309020205020404" pitchFamily="49" charset="0"/>
+                <a:cs typeface="Courier New" panose="02070309020205020404" pitchFamily="49" charset="0"/>
+              </a:rPr>
+              <a:t>)</a:t>
+            </a:r>
+            <a:endParaRPr lang="it-IT" dirty="0"/>
+          </a:p>
+          <a:p>
+            <a:pPr marL="0" indent="0">
+              <a:buNone/>
+            </a:pPr>
             <a:endParaRPr lang="it-IT" dirty="0"/>
           </a:p>
         </p:txBody>
@@ -3441,7 +3640,7 @@
     </p:spTree>
     <p:extLst>
       <p:ext uri="{BB962C8B-B14F-4D97-AF65-F5344CB8AC3E}">
-        <p14:creationId xmlns:p14="http://schemas.microsoft.com/office/powerpoint/2010/main" val="314424600"/>
+        <p14:creationId xmlns:p14="http://schemas.microsoft.com/office/powerpoint/2010/main" val="588170709"/>
       </p:ext>
     </p:extLst>
   </p:cSld>
@@ -3473,7 +3672,7 @@
           <p:cNvPr id="2" name="Titolo 1">
             <a:extLst>
               <a:ext uri="{FF2B5EF4-FFF2-40B4-BE49-F238E27FC236}">
-                <a16:creationId xmlns:a16="http://schemas.microsoft.com/office/drawing/2014/main" id="{3031D3D6-7993-44FF-94BC-7FC07C1193E5}"/>
+                <a16:creationId xmlns:a16="http://schemas.microsoft.com/office/drawing/2014/main" id="{2ACF9FD3-DD06-460B-B9B6-6487D4F0C901}"/>
               </a:ext>
             </a:extLst>
           </p:cNvPr>
@@ -3506,7 +3705,7 @@
           <p:cNvPr id="3" name="Segnaposto contenuto 2">
             <a:extLst>
               <a:ext uri="{FF2B5EF4-FFF2-40B4-BE49-F238E27FC236}">
-                <a16:creationId xmlns:a16="http://schemas.microsoft.com/office/drawing/2014/main" id="{EA97457D-B1BF-4F67-B37F-76CDAB3272CC}"/>
+                <a16:creationId xmlns:a16="http://schemas.microsoft.com/office/drawing/2014/main" id="{9B3E7F45-04CA-4945-8748-A3D3004B0FF1}"/>
               </a:ext>
             </a:extLst>
           </p:cNvPr>
@@ -3517,7 +3716,12 @@
             <p:ph idx="1"/>
           </p:nvPr>
         </p:nvSpPr>
-        <p:spPr/>
+        <p:spPr>
+          <a:xfrm>
+            <a:off x="838200" y="1825625"/>
+            <a:ext cx="10515600" cy="4351338"/>
+          </a:xfrm>
+        </p:spPr>
         <p:txBody>
           <a:bodyPr/>
           <a:lstStyle/>
@@ -3600,7 +3804,7 @@
     </p:spTree>
     <p:extLst>
       <p:ext uri="{BB962C8B-B14F-4D97-AF65-F5344CB8AC3E}">
-        <p14:creationId xmlns:p14="http://schemas.microsoft.com/office/powerpoint/2010/main" val="588170709"/>
+        <p14:creationId xmlns:p14="http://schemas.microsoft.com/office/powerpoint/2010/main" val="314424600"/>
       </p:ext>
     </p:extLst>
   </p:cSld>
